--- a/highlight/data/highlight_template.pptx
+++ b/highlight/data/highlight_template.pptx
@@ -280,7 +280,7 @@
               <a:pPr>
                 <a:defRPr/>
               </a:pPr>
-              <a:t>10/8/24</a:t>
+              <a:t>1/2/25</a:t>
             </a:fld>
             <a:endParaRPr lang="en-US" dirty="0"/>
           </a:p>
@@ -1057,7 +1057,7 @@
               <a:pPr>
                 <a:defRPr/>
               </a:pPr>
-              <a:t>10/8/24</a:t>
+              <a:t>1/2/25</a:t>
             </a:fld>
             <a:endParaRPr lang="en-US" dirty="0"/>
           </a:p>
@@ -1247,7 +1247,7 @@
               <a:pPr>
                 <a:defRPr/>
               </a:pPr>
-              <a:t>10/8/24</a:t>
+              <a:t>1/2/25</a:t>
             </a:fld>
             <a:endParaRPr lang="en-US" dirty="0"/>
           </a:p>
@@ -1447,7 +1447,7 @@
               <a:pPr>
                 <a:defRPr/>
               </a:pPr>
-              <a:t>10/8/24</a:t>
+              <a:t>1/2/25</a:t>
             </a:fld>
             <a:endParaRPr lang="en-US" dirty="0"/>
           </a:p>
@@ -1725,7 +1725,7 @@
               <a:pPr>
                 <a:defRPr/>
               </a:pPr>
-              <a:t>10/8/24</a:t>
+              <a:t>1/2/25</a:t>
             </a:fld>
             <a:endParaRPr lang="en-US" dirty="0"/>
           </a:p>
@@ -1992,7 +1992,7 @@
               <a:pPr>
                 <a:defRPr/>
               </a:pPr>
-              <a:t>10/8/24</a:t>
+              <a:t>1/2/25</a:t>
             </a:fld>
             <a:endParaRPr lang="en-US" dirty="0"/>
           </a:p>
@@ -2299,7 +2299,7 @@
               <a:pPr>
                 <a:defRPr/>
               </a:pPr>
-              <a:t>10/8/24</a:t>
+              <a:t>1/2/25</a:t>
             </a:fld>
             <a:endParaRPr lang="en-US" dirty="0"/>
           </a:p>
@@ -2740,7 +2740,7 @@
               <a:pPr>
                 <a:defRPr/>
               </a:pPr>
-              <a:t>10/8/24</a:t>
+              <a:t>1/2/25</a:t>
             </a:fld>
             <a:endParaRPr lang="en-US" dirty="0"/>
           </a:p>
@@ -2879,7 +2879,7 @@
               <a:pPr>
                 <a:defRPr/>
               </a:pPr>
-              <a:t>10/8/24</a:t>
+              <a:t>1/2/25</a:t>
             </a:fld>
             <a:endParaRPr lang="en-US" dirty="0"/>
           </a:p>
@@ -2996,7 +2996,7 @@
               <a:pPr>
                 <a:defRPr/>
               </a:pPr>
-              <a:t>10/8/24</a:t>
+              <a:t>1/2/25</a:t>
             </a:fld>
             <a:endParaRPr lang="en-US" dirty="0"/>
           </a:p>
@@ -3293,7 +3293,7 @@
               <a:pPr>
                 <a:defRPr/>
               </a:pPr>
-              <a:t>10/8/24</a:t>
+              <a:t>1/2/25</a:t>
             </a:fld>
             <a:endParaRPr lang="en-US" dirty="0"/>
           </a:p>
@@ -3574,7 +3574,7 @@
               <a:pPr>
                 <a:defRPr/>
               </a:pPr>
-              <a:t>10/8/24</a:t>
+              <a:t>1/2/25</a:t>
             </a:fld>
             <a:endParaRPr lang="en-US" dirty="0"/>
           </a:p>
@@ -3865,7 +3865,7 @@
               <a:pPr>
                 <a:defRPr/>
               </a:pPr>
-              <a:t>10/8/24</a:t>
+              <a:t>1/2/25</a:t>
             </a:fld>
             <a:endParaRPr lang="en-US" dirty="0"/>
           </a:p>
@@ -4664,8 +4664,8 @@
         </p:nvSpPr>
         <p:spPr bwMode="auto">
           <a:xfrm>
-            <a:off x="6238077" y="5963509"/>
-            <a:ext cx="5410200" cy="246221"/>
+            <a:off x="6212238" y="5788842"/>
+            <a:ext cx="5854823" cy="246221"/>
           </a:xfrm>
           <a:prstGeom prst="rect">
             <a:avLst/>
@@ -4829,7 +4829,6 @@
               <a:spcBef>
                 <a:spcPct val="0"/>
               </a:spcBef>
-              <a:buFontTx/>
               <a:buNone/>
             </a:pPr>
             <a:r>
@@ -5393,7 +5392,7 @@
         </p:nvSpPr>
         <p:spPr>
           <a:xfrm>
-            <a:off x="35168" y="6524061"/>
+            <a:off x="35168" y="6581001"/>
             <a:ext cx="12031893" cy="276999"/>
           </a:xfrm>
           <a:prstGeom prst="rect">
@@ -6035,6 +6034,34 @@
 </file>
 
 <file path=customXml/item1.xml><?xml version="1.0" encoding="utf-8"?>
+<p:properties xmlns:p="http://schemas.microsoft.com/office/2006/metadata/properties" xmlns:xsi="http://www.w3.org/2001/XMLSchema-instance" xmlns:pc="http://schemas.microsoft.com/office/infopath/2007/PartnerControls">
+  <documentManagement>
+    <lcf76f155ced4ddcb4097134ff3c332f xmlns="d8a9b28a-468d-4f89-a24a-ae448d085101">
+      <Terms xmlns="http://schemas.microsoft.com/office/infopath/2007/PartnerControls"/>
+    </lcf76f155ced4ddcb4097134ff3c332f>
+    <TaxCatchAll xmlns="46a18389-f917-48ab-8f10-3a1967a18774" xsi:nil="true"/>
+    <SharedWithUsers xmlns="46a18389-f917-48ab-8f10-3a1967a18774">
+      <UserInfo>
+        <DisplayName>Rice, Jennie S</DisplayName>
+        <AccountId>12</AccountId>
+        <AccountType/>
+      </UserInfo>
+      <UserInfo>
+        <DisplayName>Vernon, Chris R</DisplayName>
+        <AccountId>27</AccountId>
+        <AccountType/>
+      </UserInfo>
+      <UserInfo>
+        <DisplayName>Mcgrath, Casey R</DisplayName>
+        <AccountId>11</AccountId>
+        <AccountType/>
+      </UserInfo>
+    </SharedWithUsers>
+  </documentManagement>
+</p:properties>
+</file>
+
+<file path=customXml/item2.xml><?xml version="1.0" encoding="utf-8"?>
 <?mso-contentType ?>
 <FormTemplates xmlns="http://schemas.microsoft.com/sharepoint/v3/contenttype/forms">
   <Display>DocumentLibraryForm</Display>
@@ -6043,7 +6070,7 @@
 </FormTemplates>
 </file>
 
-<file path=customXml/item2.xml><?xml version="1.0" encoding="utf-8"?>
+<file path=customXml/item3.xml><?xml version="1.0" encoding="utf-8"?>
 <ct:contentTypeSchema xmlns:ct="http://schemas.microsoft.com/office/2006/metadata/contentType" xmlns:ma="http://schemas.microsoft.com/office/2006/metadata/properties/metaAttributes" ct:_="" ma:_="" ma:contentTypeName="Document" ma:contentTypeID="0x01010043F6AD9F8B4FFE4AB38BD0C762315BE6" ma:contentTypeVersion="12" ma:contentTypeDescription="Create a new document." ma:contentTypeScope="" ma:versionID="e422ebd4274b3a162ca1fec6100d2eff">
   <xsd:schema xmlns:xsd="http://www.w3.org/2001/XMLSchema" xmlns:xs="http://www.w3.org/2001/XMLSchema" xmlns:p="http://schemas.microsoft.com/office/2006/metadata/properties" xmlns:ns2="d8a9b28a-468d-4f89-a24a-ae448d085101" xmlns:ns3="46a18389-f917-48ab-8f10-3a1967a18774" targetNamespace="http://schemas.microsoft.com/office/2006/metadata/properties" ma:root="true" ma:fieldsID="1e56ff8d7fa227df85432f8c13b5b208" ns2:_="" ns3:_="">
     <xsd:import namespace="d8a9b28a-468d-4f89-a24a-ae448d085101"/>
@@ -6260,35 +6287,24 @@
 </ct:contentTypeSchema>
 </file>
 
-<file path=customXml/item3.xml><?xml version="1.0" encoding="utf-8"?>
-<p:properties xmlns:p="http://schemas.microsoft.com/office/2006/metadata/properties" xmlns:xsi="http://www.w3.org/2001/XMLSchema-instance" xmlns:pc="http://schemas.microsoft.com/office/infopath/2007/PartnerControls">
-  <documentManagement>
-    <lcf76f155ced4ddcb4097134ff3c332f xmlns="d8a9b28a-468d-4f89-a24a-ae448d085101">
-      <Terms xmlns="http://schemas.microsoft.com/office/infopath/2007/PartnerControls"/>
-    </lcf76f155ced4ddcb4097134ff3c332f>
-    <TaxCatchAll xmlns="46a18389-f917-48ab-8f10-3a1967a18774" xsi:nil="true"/>
-    <SharedWithUsers xmlns="46a18389-f917-48ab-8f10-3a1967a18774">
-      <UserInfo>
-        <DisplayName>Rice, Jennie S</DisplayName>
-        <AccountId>12</AccountId>
-        <AccountType/>
-      </UserInfo>
-      <UserInfo>
-        <DisplayName>Vernon, Chris R</DisplayName>
-        <AccountId>27</AccountId>
-        <AccountType/>
-      </UserInfo>
-      <UserInfo>
-        <DisplayName>Mcgrath, Casey R</DisplayName>
-        <AccountId>11</AccountId>
-        <AccountType/>
-      </UserInfo>
-    </SharedWithUsers>
-  </documentManagement>
-</p:properties>
+<file path=customXml/itemProps1.xml><?xml version="1.0" encoding="utf-8"?>
+<ds:datastoreItem xmlns:ds="http://schemas.openxmlformats.org/officeDocument/2006/customXml" ds:itemID="{8A57D9F0-2B85-430B-8843-0027C0E6F07C}">
+  <ds:schemaRefs>
+    <ds:schemaRef ds:uri="http://www.w3.org/XML/1998/namespace"/>
+    <ds:schemaRef ds:uri="http://purl.org/dc/dcmitype/"/>
+    <ds:schemaRef ds:uri="http://purl.org/dc/elements/1.1/"/>
+    <ds:schemaRef ds:uri="d8a9b28a-468d-4f89-a24a-ae448d085101"/>
+    <ds:schemaRef ds:uri="http://purl.org/dc/terms/"/>
+    <ds:schemaRef ds:uri="http://schemas.microsoft.com/office/infopath/2007/PartnerControls"/>
+    <ds:schemaRef ds:uri="http://schemas.microsoft.com/office/2006/documentManagement/types"/>
+    <ds:schemaRef ds:uri="http://schemas.openxmlformats.org/package/2006/metadata/core-properties"/>
+    <ds:schemaRef ds:uri="46a18389-f917-48ab-8f10-3a1967a18774"/>
+    <ds:schemaRef ds:uri="http://schemas.microsoft.com/office/2006/metadata/properties"/>
+  </ds:schemaRefs>
+</ds:datastoreItem>
 </file>
 
-<file path=customXml/itemProps1.xml><?xml version="1.0" encoding="utf-8"?>
+<file path=customXml/itemProps2.xml><?xml version="1.0" encoding="utf-8"?>
 <ds:datastoreItem xmlns:ds="http://schemas.openxmlformats.org/officeDocument/2006/customXml" ds:itemID="{2C74935E-4390-47DD-99CE-60A5373B7B50}">
   <ds:schemaRefs>
     <ds:schemaRef ds:uri="http://schemas.microsoft.com/sharepoint/v3/contenttype/forms"/>
@@ -6296,7 +6312,7 @@
 </ds:datastoreItem>
 </file>
 
-<file path=customXml/itemProps2.xml><?xml version="1.0" encoding="utf-8"?>
+<file path=customXml/itemProps3.xml><?xml version="1.0" encoding="utf-8"?>
 <ds:datastoreItem xmlns:ds="http://schemas.openxmlformats.org/officeDocument/2006/customXml" ds:itemID="{E3C549A3-69A4-4111-9D7F-9ED6E69EE5C4}">
   <ds:schemaRefs>
     <ds:schemaRef ds:uri="http://schemas.microsoft.com/office/2006/metadata/contentType"/>
@@ -6313,21 +6329,4 @@
     <ds:schemaRef ds:uri="http://schemas.microsoft.com/internal/obd"/>
   </ds:schemaRefs>
 </ds:datastoreItem>
-</file>
-
-<file path=customXml/itemProps3.xml><?xml version="1.0" encoding="utf-8"?>
-<ds:datastoreItem xmlns:ds="http://schemas.openxmlformats.org/officeDocument/2006/customXml" ds:itemID="{8A57D9F0-2B85-430B-8843-0027C0E6F07C}">
-  <ds:schemaRefs>
-    <ds:schemaRef ds:uri="http://www.w3.org/XML/1998/namespace"/>
-    <ds:schemaRef ds:uri="http://purl.org/dc/dcmitype/"/>
-    <ds:schemaRef ds:uri="http://purl.org/dc/elements/1.1/"/>
-    <ds:schemaRef ds:uri="d8a9b28a-468d-4f89-a24a-ae448d085101"/>
-    <ds:schemaRef ds:uri="http://purl.org/dc/terms/"/>
-    <ds:schemaRef ds:uri="http://schemas.microsoft.com/office/infopath/2007/PartnerControls"/>
-    <ds:schemaRef ds:uri="http://schemas.microsoft.com/office/2006/documentManagement/types"/>
-    <ds:schemaRef ds:uri="http://schemas.openxmlformats.org/package/2006/metadata/core-properties"/>
-    <ds:schemaRef ds:uri="46a18389-f917-48ab-8f10-3a1967a18774"/>
-    <ds:schemaRef ds:uri="http://schemas.microsoft.com/office/2006/metadata/properties"/>
-  </ds:schemaRefs>
-</ds:datastoreItem>
 </file>